--- a/web/b24/3 Publication Traditions.pptx
+++ b/web/b24/3 Publication Traditions.pptx
@@ -5549,7 +5549,7 @@
             </a:pPr>
             <a:r>
               <a:rPr lang="en-GB" altLang="da-DK" sz="1600" dirty="0" smtClean="0"/>
-              <a:t>I have only published 2 papers over the</a:t>
+              <a:t>I have only published 1 paper over the</a:t>
             </a:r>
             <a:br>
               <a:rPr lang="en-GB" altLang="da-DK" sz="1600" dirty="0" smtClean="0"/>
@@ -5560,14 +5560,7 @@
             </a:r>
             <a:r>
               <a:rPr lang="en-GB" altLang="da-DK" sz="1600" dirty="0" smtClean="0"/>
-              <a:t>ast 10 years (since I have been heavily</a:t>
-            </a:r>
-            <a:br>
-              <a:rPr lang="en-GB" altLang="da-DK" sz="1600" dirty="0" smtClean="0"/>
-            </a:br>
-            <a:r>
-              <a:rPr lang="en-GB" altLang="da-DK" sz="1600" spc="-60" dirty="0" smtClean="0"/>
-              <a:t>involved in the leadership of the department)</a:t>
+              <a:t>ast 10 years</a:t>
             </a:r>
             <a:endParaRPr lang="en-GB" altLang="da-DK" sz="1600" spc="-60" dirty="0"/>
           </a:p>
@@ -5612,8 +5605,8 @@
           <a:xfrm>
             <a:off x="5436096" y="2973994"/>
             <a:ext cx="3438128" cy="3335776"/>
-            <a:chOff x="5436096" y="2675566"/>
-            <a:chExt cx="3438128" cy="3615010"/>
+            <a:chOff x="5436096" y="2675564"/>
+            <a:chExt cx="3438128" cy="3615007"/>
           </a:xfrm>
         </p:grpSpPr>
         <p:pic>
@@ -5632,8 +5625,8 @@
           </p:blipFill>
           <p:spPr>
             <a:xfrm>
-              <a:off x="5436096" y="2675566"/>
-              <a:ext cx="3438128" cy="3615010"/>
+              <a:off x="5436096" y="2675564"/>
+              <a:ext cx="3438128" cy="3615007"/>
             </a:xfrm>
             <a:prstGeom prst="rect">
               <a:avLst/>
@@ -7410,23 +7403,7 @@
                   <a:srgbClr val="0000CC"/>
                 </a:solidFill>
               </a:rPr>
-              <a:t>In some research areas, it may also be </a:t>
-            </a:r>
-            <a:r>
-              <a:rPr lang="en-US" sz="1200" b="1" dirty="0" smtClean="0">
-                <a:solidFill>
-                  <a:srgbClr val="0000CC"/>
-                </a:solidFill>
-              </a:rPr>
-              <a:t>interesting </a:t>
-            </a:r>
-            <a:r>
-              <a:rPr lang="en-US" sz="1200" b="1" dirty="0" smtClean="0">
-                <a:solidFill>
-                  <a:srgbClr val="0000CC"/>
-                </a:solidFill>
-              </a:rPr>
-              <a:t>to search for patents</a:t>
+              <a:t>In some research areas, it may also be interesting to search for patents</a:t>
             </a:r>
             <a:endParaRPr lang="en-US" sz="1200" b="1" dirty="0">
               <a:solidFill>
@@ -8180,8 +8157,8 @@
         </p:nvSpPr>
         <p:spPr bwMode="auto">
           <a:xfrm>
-            <a:off x="438576" y="1087003"/>
-            <a:ext cx="8352160" cy="1449302"/>
+            <a:off x="438576" y="1087002"/>
+            <a:ext cx="8352160" cy="2341997"/>
           </a:xfrm>
           <a:prstGeom prst="rect">
             <a:avLst/>
@@ -8391,7 +8368,7 @@
                 </a:solidFill>
                 <a:cs typeface="ＭＳ Ｐゴシック" charset="0"/>
               </a:rPr>
-              <a:t>Contains more than 5 </a:t>
+              <a:t>Contains 7 </a:t>
             </a:r>
             <a:r>
               <a:rPr lang="en-US" sz="1800" b="1" kern="0" dirty="0">
@@ -9119,7 +9096,16 @@
                 </a:solidFill>
                 <a:cs typeface="ＭＳ Ｐゴシック" charset="0"/>
               </a:rPr>
-              <a:t>Contains nearly 200 million papers from computer science and biomedicine</a:t>
+              <a:t>Contains nearly 200 million </a:t>
+            </a:r>
+            <a:r>
+              <a:rPr lang="en-US" sz="1800" b="1" kern="0" spc="-70" dirty="0" smtClean="0">
+                <a:solidFill>
+                  <a:srgbClr val="A50021"/>
+                </a:solidFill>
+                <a:cs typeface="ＭＳ Ｐゴシック" charset="0"/>
+              </a:rPr>
+              <a:t>papers</a:t>
             </a:r>
             <a:endParaRPr lang="en-US" sz="1800" b="1" kern="0" spc="-70" dirty="0">
               <a:solidFill>
@@ -9133,6 +9119,29 @@
               <a:spcBef>
                 <a:spcPts val="300"/>
               </a:spcBef>
+            </a:pPr>
+            <a:r>
+              <a:rPr lang="en-GB" altLang="da-DK" sz="1600" kern="0" dirty="0" smtClean="0"/>
+              <a:t>Initially for computer </a:t>
+            </a:r>
+            <a:r>
+              <a:rPr lang="en-GB" altLang="da-DK" sz="1600" kern="0" dirty="0"/>
+              <a:t>science, geoscience and neuroscience – but covers now all fields of science (</a:t>
+            </a:r>
+            <a:r>
+              <a:rPr lang="en-GB" altLang="da-DK" sz="1600" kern="0" dirty="0" err="1"/>
+              <a:t>naturvidenskab</a:t>
+            </a:r>
+            <a:r>
+              <a:rPr lang="en-GB" altLang="da-DK" sz="1600" kern="0" dirty="0"/>
+              <a:t>)</a:t>
+            </a:r>
+          </a:p>
+          <a:p>
+            <a:pPr marL="728663" lvl="1" indent="-271463">
+              <a:spcBef>
+                <a:spcPts val="300"/>
+              </a:spcBef>
               <a:buFontTx/>
               <a:buChar char="–"/>
             </a:pPr>
@@ -9142,7 +9151,11 @@
             </a:r>
             <a:r>
               <a:rPr lang="en-GB" altLang="da-DK" sz="1600" kern="0" dirty="0"/>
-              <a:t>all important journals and many conferences</a:t>
+              <a:t>all important journals and many </a:t>
+            </a:r>
+            <a:r>
+              <a:rPr lang="en-GB" altLang="da-DK" sz="1600" kern="0" dirty="0" smtClean="0"/>
+              <a:t>conferences</a:t>
             </a:r>
           </a:p>
           <a:p>
@@ -9153,7 +9166,11 @@
             </a:pPr>
             <a:r>
               <a:rPr lang="en-US" altLang="da-DK" sz="1600" kern="0" dirty="0" smtClean="0"/>
-              <a:t>Maintained by the </a:t>
+              <a:t>Maintained </a:t>
+            </a:r>
+            <a:r>
+              <a:rPr lang="en-US" altLang="da-DK" sz="1600" kern="0" dirty="0" smtClean="0"/>
+              <a:t>by the </a:t>
             </a:r>
             <a:r>
               <a:rPr lang="en-US" sz="1600" kern="0" dirty="0" smtClean="0"/>
@@ -9265,19 +9282,11 @@
             </a:pPr>
             <a:r>
               <a:rPr lang="en-GB" altLang="da-DK" sz="1600" kern="0" dirty="0"/>
-              <a:t>Scientific paper on the history and development </a:t>
-            </a:r>
-            <a:r>
-              <a:rPr lang="en-GB" altLang="da-DK" sz="1600" kern="0"/>
-              <a:t>of </a:t>
-            </a:r>
-            <a:r>
-              <a:rPr lang="en-GB" altLang="da-DK" sz="1600" kern="0" smtClean="0"/>
-              <a:t>Semantic </a:t>
+              <a:t>Scientific paper on the history and development of </a:t>
             </a:r>
             <a:r>
               <a:rPr lang="en-GB" altLang="da-DK" sz="1600" kern="0" dirty="0" smtClean="0"/>
-              <a:t>Scholar   </a:t>
+              <a:t>Semantic Scholar   </a:t>
             </a:r>
             <a:r>
               <a:rPr lang="en-GB" altLang="da-DK" sz="1600" kern="0" dirty="0" smtClean="0">
@@ -10755,7 +10764,15 @@
             </a:pPr>
             <a:r>
               <a:rPr lang="en-GB" altLang="da-DK" sz="1600" dirty="0"/>
-              <a:t>Many journals publish improved versions of the </a:t>
+              <a:t>Many journals publish </a:t>
+            </a:r>
+            <a:r>
+              <a:rPr lang="en-GB" altLang="da-DK" sz="1600" dirty="0" smtClean="0"/>
+              <a:t>enhanced </a:t>
+            </a:r>
+            <a:r>
+              <a:rPr lang="en-GB" altLang="da-DK" sz="1600" dirty="0"/>
+              <a:t>versions of the </a:t>
             </a:r>
             <a:r>
               <a:rPr lang="en-GB" altLang="da-DK" sz="1600" dirty="0" smtClean="0"/>
@@ -11324,7 +11341,7 @@
                 </a:solidFill>
                 <a:cs typeface="ＭＳ Ｐゴシック" charset="0"/>
               </a:rPr>
-              <a:t>two PC-chairs</a:t>
+              <a:t>PC-chairs</a:t>
             </a:r>
             <a:endParaRPr lang="en-GB" altLang="da-DK" sz="1800" b="1" dirty="0">
               <a:solidFill>
